--- a/docs/presentations/preso-summer-2021.pptx
+++ b/docs/presentations/preso-summer-2021.pptx
@@ -41,6 +41,9 @@
     <p:sldId id="289" r:id="rId35"/>
     <p:sldId id="290" r:id="rId36"/>
     <p:sldId id="291" r:id="rId37"/>
+    <p:sldId id="292" r:id="rId38"/>
+    <p:sldId id="293" r:id="rId39"/>
+    <p:sldId id="294" r:id="rId40"/>
   </p:sldIdLst>
   <p:sldSz cx="9144000" cy="6858000" type="screen4x3"/>
   <p:notesSz cx="6858000" cy="9144000"/>
@@ -9902,6 +9905,828 @@
 </p:sld>
 </file>
 
+<file path=ppt/slides/slide37.xml><?xml version="1.0" encoding="utf-8"?>
+<p:sld xmlns:a="http://schemas.openxmlformats.org/drawingml/2006/main" xmlns:r="http://schemas.openxmlformats.org/officeDocument/2006/relationships" xmlns:p="http://schemas.openxmlformats.org/presentationml/2006/main">
+  <p:cSld>
+    <p:spTree>
+      <p:nvGrpSpPr>
+        <p:cNvPr id="1" name=""/>
+        <p:cNvGrpSpPr/>
+        <p:nvPr/>
+      </p:nvGrpSpPr>
+      <p:grpSpPr>
+        <a:xfrm>
+          <a:off x="0" y="0"/>
+          <a:ext cx="0" cy="0"/>
+          <a:chOff x="0" y="0"/>
+          <a:chExt cx="0" cy="0"/>
+        </a:xfrm>
+      </p:grpSpPr>
+      <p:sp>
+        <p:nvSpPr>
+          <p:cNvPr id="2" name="Title 1"/>
+          <p:cNvSpPr>
+            <a:spLocks noGrp="1"/>
+          </p:cNvSpPr>
+          <p:nvPr>
+            <p:ph type="title"/>
+          </p:nvPr>
+        </p:nvSpPr>
+        <p:spPr/>
+        <p:txBody>
+          <a:bodyPr/>
+          <a:lstStyle/>
+          <a:p>
+            <a:pPr lvl="0" marL="0" indent="0">
+              <a:buNone/>
+            </a:pPr>
+            <a:r>
+              <a:rPr/>
+              <a:t>Match</a:t>
+            </a:r>
+            <a:r>
+              <a:rPr/>
+              <a:t> </a:t>
+            </a:r>
+            <a:r>
+              <a:rPr/>
+              <a:t>9</a:t>
+            </a:r>
+            <a:r>
+              <a:rPr/>
+              <a:t> </a:t>
+            </a:r>
+            <a:r>
+              <a:rPr/>
+              <a:t>-</a:t>
+            </a:r>
+            <a:r>
+              <a:rPr/>
+              <a:t> </a:t>
+            </a:r>
+            <a:r>
+              <a:rPr/>
+              <a:t>Result</a:t>
+            </a:r>
+          </a:p>
+        </p:txBody>
+      </p:sp>
+      <p:sp>
+        <p:nvSpPr>
+          <p:cNvPr id="3" name="Content Placeholder 2"/>
+          <p:cNvSpPr>
+            <a:spLocks noGrp="1"/>
+          </p:cNvSpPr>
+          <p:nvPr>
+            <p:ph idx="1"/>
+          </p:nvPr>
+        </p:nvSpPr>
+        <p:spPr/>
+        <p:txBody>
+          <a:bodyPr/>
+          <a:lstStyle/>
+          <a:p>
+            <a:pPr lvl="2"/>
+            <a:r>
+              <a:rPr/>
+              <a:t>/ (.) - / (.)</a:t>
+            </a:r>
+          </a:p>
+          <a:p>
+            <a:pPr lvl="2"/>
+            <a:r>
+              <a:rPr/>
+              <a:t>Batting</a:t>
+            </a:r>
+          </a:p>
+          <a:p>
+            <a:pPr lvl="3"/>
+            <a:r>
+              <a:rPr/>
+              <a:t>Ben Cull - 53 (22)*</a:t>
+            </a:r>
+          </a:p>
+          <a:p>
+            <a:pPr lvl="3"/>
+            <a:r>
+              <a:rPr/>
+              <a:t>Jimmy Day - 46 (30)*</a:t>
+            </a:r>
+          </a:p>
+          <a:p>
+            <a:pPr lvl="3"/>
+            <a:r>
+              <a:rPr/>
+              <a:t>Michael Drew - 45 (20)*</a:t>
+            </a:r>
+            <a:br/>
+          </a:p>
+          <a:p>
+            <a:pPr lvl="2"/>
+            <a:r>
+              <a:rPr/>
+              <a:t>Bowling</a:t>
+            </a:r>
+          </a:p>
+          <a:p>
+            <a:pPr lvl="3"/>
+            <a:r>
+              <a:rPr/>
+              <a:t>Michael Drew - 3/10 (3)</a:t>
+            </a:r>
+          </a:p>
+          <a:p>
+            <a:pPr lvl="3"/>
+            <a:r>
+              <a:rPr/>
+              <a:t>Ben Cull - 1/13 (2)</a:t>
+            </a:r>
+          </a:p>
+          <a:p>
+            <a:pPr lvl="3"/>
+            <a:r>
+              <a:rPr/>
+              <a:t>Devin Goheen - 1/22 (2)</a:t>
+            </a:r>
+          </a:p>
+        </p:txBody>
+      </p:sp>
+    </p:spTree>
+  </p:cSld>
+</p:sld>
+</file>
+
+<file path=ppt/slides/slide38.xml><?xml version="1.0" encoding="utf-8"?>
+<p:sld xmlns:a="http://schemas.openxmlformats.org/drawingml/2006/main" xmlns:r="http://schemas.openxmlformats.org/officeDocument/2006/relationships" xmlns:p="http://schemas.openxmlformats.org/presentationml/2006/main">
+  <p:cSld>
+    <p:spTree>
+      <p:nvGrpSpPr>
+        <p:cNvPr id="1" name=""/>
+        <p:cNvGrpSpPr/>
+        <p:nvPr/>
+      </p:nvGrpSpPr>
+      <p:grpSpPr>
+        <a:xfrm>
+          <a:off x="0" y="0"/>
+          <a:ext cx="0" cy="0"/>
+          <a:chOff x="0" y="0"/>
+          <a:chExt cx="0" cy="0"/>
+        </a:xfrm>
+      </p:grpSpPr>
+      <p:sp>
+        <p:nvSpPr>
+          <p:cNvPr id="2" name="Title 1"/>
+          <p:cNvSpPr>
+            <a:spLocks noGrp="1"/>
+          </p:cNvSpPr>
+          <p:nvPr>
+            <p:ph type="title"/>
+          </p:nvPr>
+        </p:nvSpPr>
+        <p:spPr/>
+        <p:txBody>
+          <a:bodyPr/>
+          <a:lstStyle/>
+          <a:p>
+            <a:pPr lvl="0" marL="0" indent="0">
+              <a:buNone/>
+            </a:pPr>
+            <a:r>
+              <a:rPr/>
+              <a:t>Match</a:t>
+            </a:r>
+            <a:r>
+              <a:rPr/>
+              <a:t> </a:t>
+            </a:r>
+            <a:r>
+              <a:rPr/>
+              <a:t>9</a:t>
+            </a:r>
+            <a:r>
+              <a:rPr/>
+              <a:t> </a:t>
+            </a:r>
+            <a:r>
+              <a:rPr/>
+              <a:t>-</a:t>
+            </a:r>
+            <a:r>
+              <a:rPr/>
+              <a:t> </a:t>
+            </a:r>
+            <a:r>
+              <a:rPr/>
+              <a:t>Votes</a:t>
+            </a:r>
+          </a:p>
+        </p:txBody>
+      </p:sp>
+      <p:sp>
+        <p:nvSpPr>
+          <p:cNvPr id="3" name="Content Placeholder 2"/>
+          <p:cNvSpPr>
+            <a:spLocks noGrp="1"/>
+          </p:cNvSpPr>
+          <p:nvPr>
+            <p:ph idx="1"/>
+          </p:nvPr>
+        </p:nvSpPr>
+        <p:spPr/>
+        <p:txBody>
+          <a:bodyPr/>
+          <a:lstStyle/>
+          <a:p>
+            <a:pPr lvl="1"/>
+            <a:r>
+              <a:rPr/>
+              <a:t>1 votes - Pat</a:t>
+            </a:r>
+          </a:p>
+          <a:p>
+            <a:pPr lvl="1"/>
+            <a:r>
+              <a:rPr/>
+              <a:t>2 votes - Dev</a:t>
+            </a:r>
+          </a:p>
+          <a:p>
+            <a:pPr lvl="1"/>
+            <a:r>
+              <a:rPr/>
+              <a:t>3 votes - Jimmy</a:t>
+            </a:r>
+          </a:p>
+          <a:p>
+            <a:pPr lvl="1"/>
+            <a:r>
+              <a:rPr/>
+              <a:t>4 votes - Mick</a:t>
+            </a:r>
+          </a:p>
+          <a:p>
+            <a:pPr lvl="1"/>
+            <a:r>
+              <a:rPr/>
+              <a:t>5 votes - Ben</a:t>
+            </a:r>
+          </a:p>
+        </p:txBody>
+      </p:sp>
+    </p:spTree>
+  </p:cSld>
+</p:sld>
+</file>
+
+<file path=ppt/slides/slide39.xml><?xml version="1.0" encoding="utf-8"?>
+<p:sld xmlns:a="http://schemas.openxmlformats.org/drawingml/2006/main" xmlns:r="http://schemas.openxmlformats.org/officeDocument/2006/relationships" xmlns:p="http://schemas.openxmlformats.org/presentationml/2006/main">
+  <p:cSld>
+    <p:spTree>
+      <p:nvGrpSpPr>
+        <p:cNvPr id="1" name=""/>
+        <p:cNvGrpSpPr/>
+        <p:nvPr/>
+      </p:nvGrpSpPr>
+      <p:grpSpPr>
+        <a:xfrm>
+          <a:off x="0" y="0"/>
+          <a:ext cx="0" cy="0"/>
+          <a:chOff x="0" y="0"/>
+          <a:chExt cx="0" cy="0"/>
+        </a:xfrm>
+      </p:grpSpPr>
+      <p:sp>
+        <p:nvSpPr>
+          <p:cNvPr id="2" name="Title 1"/>
+          <p:cNvSpPr>
+            <a:spLocks noGrp="1"/>
+          </p:cNvSpPr>
+          <p:nvPr>
+            <p:ph type="title"/>
+          </p:nvPr>
+        </p:nvSpPr>
+        <p:spPr/>
+        <p:txBody>
+          <a:bodyPr/>
+          <a:lstStyle/>
+          <a:p>
+            <a:pPr lvl="0" marL="0" indent="0">
+              <a:buNone/>
+            </a:pPr>
+            <a:r>
+              <a:rPr/>
+              <a:t>Match</a:t>
+            </a:r>
+            <a:r>
+              <a:rPr/>
+              <a:t> </a:t>
+            </a:r>
+            <a:r>
+              <a:rPr/>
+              <a:t>9</a:t>
+            </a:r>
+            <a:r>
+              <a:rPr/>
+              <a:t> </a:t>
+            </a:r>
+            <a:r>
+              <a:rPr/>
+              <a:t>-</a:t>
+            </a:r>
+            <a:r>
+              <a:rPr/>
+              <a:t> </a:t>
+            </a:r>
+            <a:r>
+              <a:rPr/>
+              <a:t>Leaderboard</a:t>
+            </a:r>
+          </a:p>
+        </p:txBody>
+      </p:sp>
+      <p:graphicFrame>
+        <p:nvGraphicFramePr>
+          <p:cNvPr id="6" name="Content Placeholder 5"/>
+          <p:cNvGraphicFramePr>
+            <a:graphicFrameLocks noGrp="1"/>
+          </p:cNvGraphicFramePr>
+          <p:nvPr>
+            <p:ph idx="1"/>
+          </p:nvPr>
+        </p:nvGraphicFramePr>
+        <p:xfrm>
+          <a:off x="457200" y="1600200"/>
+          <a:ext cx="8229600" cy="4521200"/>
+        </p:xfrm>
+        <a:graphic>
+          <a:graphicData uri="http://schemas.openxmlformats.org/drawingml/2006/table">
+            <a:tbl>
+              <a:tblPr firstRow="1" bandRow="1">
+                <a:tableStyleId>{5C22544A-7EE6-4342-B048-85BDC9FD1C3A}</a:tableStyleId>
+              </a:tblPr>
+              <a:tblGrid>
+                <a:gridCol w="4114800"/>
+                <a:gridCol w="4114800"/>
+              </a:tblGrid>
+              <a:tr h="0">
+                <a:tc>
+                  <a:txBody>
+                    <a:bodyPr/>
+                    <a:lstStyle/>
+                    <a:p>
+                      <a:pPr lvl="0" marL="0" indent="0" algn="ctr">
+                        <a:buNone/>
+                      </a:pPr>
+                      <a:r>
+                        <a:rPr/>
+                        <a:t>name</a:t>
+                      </a:r>
+                    </a:p>
+                  </a:txBody>
+                  <a:tcPr/>
+                </a:tc>
+                <a:tc>
+                  <a:txBody>
+                    <a:bodyPr/>
+                    <a:lstStyle/>
+                    <a:p>
+                      <a:pPr lvl="0" marL="0" indent="0" algn="ctr">
+                        <a:buNone/>
+                      </a:pPr>
+                      <a:r>
+                        <a:rPr/>
+                        <a:t>Votes</a:t>
+                      </a:r>
+                    </a:p>
+                  </a:txBody>
+                  <a:tcPr/>
+                </a:tc>
+              </a:tr>
+              <a:tr h="0">
+                <a:tc>
+                  <a:txBody>
+                    <a:bodyPr/>
+                    <a:lstStyle/>
+                    <a:p>
+                      <a:pPr lvl="0" marL="0" indent="0" algn="ctr">
+                        <a:buNone/>
+                      </a:pPr>
+                      <a:r>
+                        <a:rPr/>
+                        <a:t>Peely</a:t>
+                      </a:r>
+                    </a:p>
+                  </a:txBody>
+                </a:tc>
+                <a:tc>
+                  <a:txBody>
+                    <a:bodyPr/>
+                    <a:lstStyle/>
+                    <a:p>
+                      <a:pPr lvl="0" marL="0" indent="0" algn="ctr">
+                        <a:buNone/>
+                      </a:pPr>
+                      <a:r>
+                        <a:rPr/>
+                        <a:t>30</a:t>
+                      </a:r>
+                    </a:p>
+                  </a:txBody>
+                </a:tc>
+              </a:tr>
+              <a:tr h="0">
+                <a:tc>
+                  <a:txBody>
+                    <a:bodyPr/>
+                    <a:lstStyle/>
+                    <a:p>
+                      <a:pPr lvl="0" marL="0" indent="0" algn="ctr">
+                        <a:buNone/>
+                      </a:pPr>
+                      <a:r>
+                        <a:rPr/>
+                        <a:t>Jimmy</a:t>
+                      </a:r>
+                    </a:p>
+                  </a:txBody>
+                </a:tc>
+                <a:tc>
+                  <a:txBody>
+                    <a:bodyPr/>
+                    <a:lstStyle/>
+                    <a:p>
+                      <a:pPr lvl="0" marL="0" indent="0" algn="ctr">
+                        <a:buNone/>
+                      </a:pPr>
+                      <a:r>
+                        <a:rPr/>
+                        <a:t>20</a:t>
+                      </a:r>
+                    </a:p>
+                  </a:txBody>
+                </a:tc>
+              </a:tr>
+              <a:tr h="0">
+                <a:tc>
+                  <a:txBody>
+                    <a:bodyPr/>
+                    <a:lstStyle/>
+                    <a:p>
+                      <a:pPr lvl="0" marL="0" indent="0" algn="ctr">
+                        <a:buNone/>
+                      </a:pPr>
+                      <a:r>
+                        <a:rPr/>
+                        <a:t>Dev</a:t>
+                      </a:r>
+                    </a:p>
+                  </a:txBody>
+                </a:tc>
+                <a:tc>
+                  <a:txBody>
+                    <a:bodyPr/>
+                    <a:lstStyle/>
+                    <a:p>
+                      <a:pPr lvl="0" marL="0" indent="0" algn="ctr">
+                        <a:buNone/>
+                      </a:pPr>
+                      <a:r>
+                        <a:rPr/>
+                        <a:t>15</a:t>
+                      </a:r>
+                    </a:p>
+                  </a:txBody>
+                </a:tc>
+              </a:tr>
+              <a:tr h="0">
+                <a:tc>
+                  <a:txBody>
+                    <a:bodyPr/>
+                    <a:lstStyle/>
+                    <a:p>
+                      <a:pPr lvl="0" marL="0" indent="0" algn="ctr">
+                        <a:buNone/>
+                      </a:pPr>
+                      <a:r>
+                        <a:rPr/>
+                        <a:t>Mick</a:t>
+                      </a:r>
+                    </a:p>
+                  </a:txBody>
+                </a:tc>
+                <a:tc>
+                  <a:txBody>
+                    <a:bodyPr/>
+                    <a:lstStyle/>
+                    <a:p>
+                      <a:pPr lvl="0" marL="0" indent="0" algn="ctr">
+                        <a:buNone/>
+                      </a:pPr>
+                      <a:r>
+                        <a:rPr/>
+                        <a:t>14</a:t>
+                      </a:r>
+                    </a:p>
+                  </a:txBody>
+                </a:tc>
+              </a:tr>
+              <a:tr h="0">
+                <a:tc>
+                  <a:txBody>
+                    <a:bodyPr/>
+                    <a:lstStyle/>
+                    <a:p>
+                      <a:pPr lvl="0" marL="0" indent="0" algn="ctr">
+                        <a:buNone/>
+                      </a:pPr>
+                      <a:r>
+                        <a:rPr/>
+                        <a:t>Ben</a:t>
+                      </a:r>
+                    </a:p>
+                  </a:txBody>
+                </a:tc>
+                <a:tc>
+                  <a:txBody>
+                    <a:bodyPr/>
+                    <a:lstStyle/>
+                    <a:p>
+                      <a:pPr lvl="0" marL="0" indent="0" algn="ctr">
+                        <a:buNone/>
+                      </a:pPr>
+                      <a:r>
+                        <a:rPr/>
+                        <a:t>11</a:t>
+                      </a:r>
+                    </a:p>
+                  </a:txBody>
+                </a:tc>
+              </a:tr>
+              <a:tr h="0">
+                <a:tc>
+                  <a:txBody>
+                    <a:bodyPr/>
+                    <a:lstStyle/>
+                    <a:p>
+                      <a:pPr lvl="0" marL="0" indent="0" algn="ctr">
+                        <a:buNone/>
+                      </a:pPr>
+                      <a:r>
+                        <a:rPr/>
+                        <a:t>Pat</a:t>
+                      </a:r>
+                    </a:p>
+                  </a:txBody>
+                </a:tc>
+                <a:tc>
+                  <a:txBody>
+                    <a:bodyPr/>
+                    <a:lstStyle/>
+                    <a:p>
+                      <a:pPr lvl="0" marL="0" indent="0" algn="ctr">
+                        <a:buNone/>
+                      </a:pPr>
+                      <a:r>
+                        <a:rPr/>
+                        <a:t>8</a:t>
+                      </a:r>
+                    </a:p>
+                  </a:txBody>
+                </a:tc>
+              </a:tr>
+              <a:tr h="0">
+                <a:tc>
+                  <a:txBody>
+                    <a:bodyPr/>
+                    <a:lstStyle/>
+                    <a:p>
+                      <a:pPr lvl="0" marL="0" indent="0" algn="ctr">
+                        <a:buNone/>
+                      </a:pPr>
+                      <a:r>
+                        <a:rPr/>
+                        <a:t>Hemu</a:t>
+                      </a:r>
+                    </a:p>
+                  </a:txBody>
+                </a:tc>
+                <a:tc>
+                  <a:txBody>
+                    <a:bodyPr/>
+                    <a:lstStyle/>
+                    <a:p>
+                      <a:pPr lvl="0" marL="0" indent="0" algn="ctr">
+                        <a:buNone/>
+                      </a:pPr>
+                      <a:r>
+                        <a:rPr/>
+                        <a:t>7</a:t>
+                      </a:r>
+                    </a:p>
+                  </a:txBody>
+                </a:tc>
+              </a:tr>
+              <a:tr h="0">
+                <a:tc>
+                  <a:txBody>
+                    <a:bodyPr/>
+                    <a:lstStyle/>
+                    <a:p>
+                      <a:pPr lvl="0" marL="0" indent="0" algn="ctr">
+                        <a:buNone/>
+                      </a:pPr>
+                      <a:r>
+                        <a:rPr/>
+                        <a:t>Joe</a:t>
+                      </a:r>
+                    </a:p>
+                  </a:txBody>
+                </a:tc>
+                <a:tc>
+                  <a:txBody>
+                    <a:bodyPr/>
+                    <a:lstStyle/>
+                    <a:p>
+                      <a:pPr lvl="0" marL="0" indent="0" algn="ctr">
+                        <a:buNone/>
+                      </a:pPr>
+                      <a:r>
+                        <a:rPr/>
+                        <a:t>6</a:t>
+                      </a:r>
+                    </a:p>
+                  </a:txBody>
+                </a:tc>
+              </a:tr>
+              <a:tr h="0">
+                <a:tc>
+                  <a:txBody>
+                    <a:bodyPr/>
+                    <a:lstStyle/>
+                    <a:p>
+                      <a:pPr lvl="0" marL="0" indent="0" algn="ctr">
+                        <a:buNone/>
+                      </a:pPr>
+                      <a:r>
+                        <a:rPr/>
+                        <a:t>Surya</a:t>
+                      </a:r>
+                    </a:p>
+                  </a:txBody>
+                </a:tc>
+                <a:tc>
+                  <a:txBody>
+                    <a:bodyPr/>
+                    <a:lstStyle/>
+                    <a:p>
+                      <a:pPr lvl="0" marL="0" indent="0" algn="ctr">
+                        <a:buNone/>
+                      </a:pPr>
+                      <a:r>
+                        <a:rPr/>
+                        <a:t>6</a:t>
+                      </a:r>
+                    </a:p>
+                  </a:txBody>
+                </a:tc>
+              </a:tr>
+              <a:tr h="0">
+                <a:tc>
+                  <a:txBody>
+                    <a:bodyPr/>
+                    <a:lstStyle/>
+                    <a:p>
+                      <a:pPr lvl="0" marL="0" indent="0" algn="ctr">
+                        <a:buNone/>
+                      </a:pPr>
+                      <a:r>
+                        <a:rPr/>
+                        <a:t>Morgs</a:t>
+                      </a:r>
+                    </a:p>
+                  </a:txBody>
+                </a:tc>
+                <a:tc>
+                  <a:txBody>
+                    <a:bodyPr/>
+                    <a:lstStyle/>
+                    <a:p>
+                      <a:pPr lvl="0" marL="0" indent="0" algn="ctr">
+                        <a:buNone/>
+                      </a:pPr>
+                      <a:r>
+                        <a:rPr/>
+                        <a:t>5</a:t>
+                      </a:r>
+                    </a:p>
+                  </a:txBody>
+                </a:tc>
+              </a:tr>
+              <a:tr h="0">
+                <a:tc>
+                  <a:txBody>
+                    <a:bodyPr/>
+                    <a:lstStyle/>
+                    <a:p>
+                      <a:pPr lvl="0" marL="0" indent="0" algn="ctr">
+                        <a:buNone/>
+                      </a:pPr>
+                      <a:r>
+                        <a:rPr/>
+                        <a:t>Dan</a:t>
+                      </a:r>
+                    </a:p>
+                  </a:txBody>
+                </a:tc>
+                <a:tc>
+                  <a:txBody>
+                    <a:bodyPr/>
+                    <a:lstStyle/>
+                    <a:p>
+                      <a:pPr lvl="0" marL="0" indent="0" algn="ctr">
+                        <a:buNone/>
+                      </a:pPr>
+                      <a:r>
+                        <a:rPr/>
+                        <a:t>4</a:t>
+                      </a:r>
+                    </a:p>
+                  </a:txBody>
+                </a:tc>
+              </a:tr>
+              <a:tr h="0">
+                <a:tc>
+                  <a:txBody>
+                    <a:bodyPr/>
+                    <a:lstStyle/>
+                    <a:p>
+                      <a:pPr lvl="0" marL="0" indent="0" algn="ctr">
+                        <a:buNone/>
+                      </a:pPr>
+                      <a:r>
+                        <a:rPr/>
+                        <a:t>Rohan</a:t>
+                      </a:r>
+                    </a:p>
+                  </a:txBody>
+                </a:tc>
+                <a:tc>
+                  <a:txBody>
+                    <a:bodyPr/>
+                    <a:lstStyle/>
+                    <a:p>
+                      <a:pPr lvl="0" marL="0" indent="0" algn="ctr">
+                        <a:buNone/>
+                      </a:pPr>
+                      <a:r>
+                        <a:rPr/>
+                        <a:t>3</a:t>
+                      </a:r>
+                    </a:p>
+                  </a:txBody>
+                </a:tc>
+              </a:tr>
+              <a:tr h="0">
+                <a:tc>
+                  <a:txBody>
+                    <a:bodyPr/>
+                    <a:lstStyle/>
+                    <a:p>
+                      <a:pPr lvl="0" marL="0" indent="0" algn="ctr">
+                        <a:buNone/>
+                      </a:pPr>
+                      <a:r>
+                        <a:rPr/>
+                        <a:t>Syed</a:t>
+                      </a:r>
+                    </a:p>
+                  </a:txBody>
+                </a:tc>
+                <a:tc>
+                  <a:txBody>
+                    <a:bodyPr/>
+                    <a:lstStyle/>
+                    <a:p>
+                      <a:pPr lvl="0" marL="0" indent="0" algn="ctr">
+                        <a:buNone/>
+                      </a:pPr>
+                      <a:r>
+                        <a:rPr/>
+                        <a:t>3</a:t>
+                      </a:r>
+                    </a:p>
+                  </a:txBody>
+                </a:tc>
+              </a:tr>
+            </a:tbl>
+          </a:graphicData>
+        </a:graphic>
+      </p:graphicFrame>
+    </p:spTree>
+  </p:cSld>
+</p:sld>
+</file>
+
 <file path=ppt/slides/slide4.xml><?xml version="1.0" encoding="utf-8"?>
 <p:sld xmlns:a="http://schemas.openxmlformats.org/drawingml/2006/main" xmlns:r="http://schemas.openxmlformats.org/officeDocument/2006/relationships" xmlns:p="http://schemas.openxmlformats.org/presentationml/2006/main">
   <p:cSld>
@@ -10246,6 +11071,106 @@
                       </a:pPr>
                       <a:r>
                         <a:rPr/>
+                        <a:t>Jimmy</a:t>
+                      </a:r>
+                      <a:r>
+                        <a:rPr/>
+                        <a:t> </a:t>
+                      </a:r>
+                      <a:r>
+                        <a:rPr/>
+                        <a:t>Day</a:t>
+                      </a:r>
+                    </a:p>
+                  </a:txBody>
+                </a:tc>
+                <a:tc>
+                  <a:txBody>
+                    <a:bodyPr/>
+                    <a:lstStyle/>
+                    <a:p>
+                      <a:pPr lvl="0" marL="0" indent="0" algn="r">
+                        <a:buNone/>
+                      </a:pPr>
+                      <a:r>
+                        <a:rPr/>
+                        <a:t>7</a:t>
+                      </a:r>
+                    </a:p>
+                  </a:txBody>
+                </a:tc>
+                <a:tc>
+                  <a:txBody>
+                    <a:bodyPr/>
+                    <a:lstStyle/>
+                    <a:p>
+                      <a:pPr lvl="0" marL="0" indent="0" algn="r">
+                        <a:buNone/>
+                      </a:pPr>
+                      <a:r>
+                        <a:rPr/>
+                        <a:t>260</a:t>
+                      </a:r>
+                    </a:p>
+                  </a:txBody>
+                </a:tc>
+                <a:tc>
+                  <a:txBody>
+                    <a:bodyPr/>
+                    <a:lstStyle/>
+                    <a:p>
+                      <a:pPr lvl="0" marL="0" indent="0" algn="r">
+                        <a:buNone/>
+                      </a:pPr>
+                      <a:r>
+                        <a:rPr/>
+                        <a:t>55</a:t>
+                      </a:r>
+                    </a:p>
+                  </a:txBody>
+                </a:tc>
+                <a:tc>
+                  <a:txBody>
+                    <a:bodyPr/>
+                    <a:lstStyle/>
+                    <a:p>
+                      <a:pPr lvl="0" marL="0" indent="0" algn="r">
+                        <a:buNone/>
+                      </a:pPr>
+                      <a:r>
+                        <a:rPr/>
+                        <a:t>52.0</a:t>
+                      </a:r>
+                    </a:p>
+                  </a:txBody>
+                </a:tc>
+                <a:tc>
+                  <a:txBody>
+                    <a:bodyPr/>
+                    <a:lstStyle/>
+                    <a:p>
+                      <a:pPr lvl="0" marL="0" indent="0" algn="r">
+                        <a:buNone/>
+                      </a:pPr>
+                      <a:r>
+                        <a:rPr/>
+                        <a:t>150.3</a:t>
+                      </a:r>
+                    </a:p>
+                  </a:txBody>
+                </a:tc>
+              </a:tr>
+              <a:tr h="0">
+                <a:tc>
+                  <a:txBody>
+                    <a:bodyPr/>
+                    <a:lstStyle/>
+                    <a:p>
+                      <a:pPr lvl="0" marL="0" indent="0" algn="l">
+                        <a:buNone/>
+                      </a:pPr>
+                      <a:r>
+                        <a:rPr/>
                         <a:t>Adam</a:t>
                       </a:r>
                       <a:r>
@@ -10346,7 +11271,7 @@
                       </a:pPr>
                       <a:r>
                         <a:rPr/>
-                        <a:t>Jimmy</a:t>
+                        <a:t>Ben</a:t>
                       </a:r>
                       <a:r>
                         <a:rPr/>
@@ -10354,7 +11279,7 @@
                       </a:r>
                       <a:r>
                         <a:rPr/>
-                        <a:t>Day</a:t>
+                        <a:t>Cull</a:t>
                       </a:r>
                     </a:p>
                   </a:txBody>
@@ -10369,7 +11294,7 @@
                       </a:pPr>
                       <a:r>
                         <a:rPr/>
-                        <a:t>6</a:t>
+                        <a:t>8</a:t>
                       </a:r>
                     </a:p>
                   </a:txBody>
@@ -10384,7 +11309,7 @@
                       </a:pPr>
                       <a:r>
                         <a:rPr/>
-                        <a:t>214</a:t>
+                        <a:t>170</a:t>
                       </a:r>
                     </a:p>
                   </a:txBody>
@@ -10399,7 +11324,7 @@
                       </a:pPr>
                       <a:r>
                         <a:rPr/>
-                        <a:t>55</a:t>
+                        <a:t>53</a:t>
                       </a:r>
                     </a:p>
                   </a:txBody>
@@ -10414,7 +11339,7 @@
                       </a:pPr>
                       <a:r>
                         <a:rPr/>
-                        <a:t>42.8</a:t>
+                        <a:t>28.3</a:t>
                       </a:r>
                     </a:p>
                   </a:txBody>
@@ -10429,7 +11354,7 @@
                       </a:pPr>
                       <a:r>
                         <a:rPr/>
-                        <a:t>149.7</a:t>
+                        <a:t>217.9</a:t>
                       </a:r>
                     </a:p>
                   </a:txBody>
@@ -10446,7 +11371,7 @@
                       </a:pPr>
                       <a:r>
                         <a:rPr/>
-                        <a:t>Ben</a:t>
+                        <a:t>Michael</a:t>
                       </a:r>
                       <a:r>
                         <a:rPr/>
@@ -10454,7 +11379,7 @@
                       </a:r>
                       <a:r>
                         <a:rPr/>
-                        <a:t>Cull</a:t>
+                        <a:t>Drew</a:t>
                       </a:r>
                     </a:p>
                   </a:txBody>
@@ -10469,7 +11394,7 @@
                       </a:pPr>
                       <a:r>
                         <a:rPr/>
-                        <a:t>7</a:t>
+                        <a:t>3</a:t>
                       </a:r>
                     </a:p>
                   </a:txBody>
@@ -10484,7 +11409,7 @@
                       </a:pPr>
                       <a:r>
                         <a:rPr/>
-                        <a:t>117</a:t>
+                        <a:t>156</a:t>
                       </a:r>
                     </a:p>
                   </a:txBody>
@@ -10499,7 +11424,7 @@
                       </a:pPr>
                       <a:r>
                         <a:rPr/>
-                        <a:t>50</a:t>
+                        <a:t>56</a:t>
                       </a:r>
                     </a:p>
                   </a:txBody>
@@ -10514,7 +11439,7 @@
                       </a:pPr>
                       <a:r>
                         <a:rPr/>
-                        <a:t>19.5</a:t>
+                        <a:t>156.0</a:t>
                       </a:r>
                     </a:p>
                   </a:txBody>
@@ -10529,107 +11454,7 @@
                       </a:pPr>
                       <a:r>
                         <a:rPr/>
-                        <a:t>208.9</a:t>
-                      </a:r>
-                    </a:p>
-                  </a:txBody>
-                </a:tc>
-              </a:tr>
-              <a:tr h="0">
-                <a:tc>
-                  <a:txBody>
-                    <a:bodyPr/>
-                    <a:lstStyle/>
-                    <a:p>
-                      <a:pPr lvl="0" marL="0" indent="0" algn="l">
-                        <a:buNone/>
-                      </a:pPr>
-                      <a:r>
-                        <a:rPr/>
-                        <a:t>Michael</a:t>
-                      </a:r>
-                      <a:r>
-                        <a:rPr/>
-                        <a:t> </a:t>
-                      </a:r>
-                      <a:r>
-                        <a:rPr/>
-                        <a:t>Drew</a:t>
-                      </a:r>
-                    </a:p>
-                  </a:txBody>
-                </a:tc>
-                <a:tc>
-                  <a:txBody>
-                    <a:bodyPr/>
-                    <a:lstStyle/>
-                    <a:p>
-                      <a:pPr lvl="0" marL="0" indent="0" algn="r">
-                        <a:buNone/>
-                      </a:pPr>
-                      <a:r>
-                        <a:rPr/>
-                        <a:t>2</a:t>
-                      </a:r>
-                    </a:p>
-                  </a:txBody>
-                </a:tc>
-                <a:tc>
-                  <a:txBody>
-                    <a:bodyPr/>
-                    <a:lstStyle/>
-                    <a:p>
-                      <a:pPr lvl="0" marL="0" indent="0" algn="r">
-                        <a:buNone/>
-                      </a:pPr>
-                      <a:r>
-                        <a:rPr/>
-                        <a:t>111</a:t>
-                      </a:r>
-                    </a:p>
-                  </a:txBody>
-                </a:tc>
-                <a:tc>
-                  <a:txBody>
-                    <a:bodyPr/>
-                    <a:lstStyle/>
-                    <a:p>
-                      <a:pPr lvl="0" marL="0" indent="0" algn="r">
-                        <a:buNone/>
-                      </a:pPr>
-                      <a:r>
-                        <a:rPr/>
-                        <a:t>56</a:t>
-                      </a:r>
-                    </a:p>
-                  </a:txBody>
-                </a:tc>
-                <a:tc>
-                  <a:txBody>
-                    <a:bodyPr/>
-                    <a:lstStyle/>
-                    <a:p>
-                      <a:pPr lvl="0" marL="0" indent="0" algn="r">
-                        <a:buNone/>
-                      </a:pPr>
-                      <a:r>
-                        <a:rPr/>
-                        <a:t>111.0</a:t>
-                      </a:r>
-                    </a:p>
-                  </a:txBody>
-                </a:tc>
-                <a:tc>
-                  <a:txBody>
-                    <a:bodyPr/>
-                    <a:lstStyle/>
-                    <a:p>
-                      <a:pPr lvl="0" marL="0" indent="0" algn="r">
-                        <a:buNone/>
-                      </a:pPr>
-                      <a:r>
-                        <a:rPr/>
-                        <a:t>165.7</a:t>
+                        <a:t>179.3</a:t>
                       </a:r>
                     </a:p>
                   </a:txBody>
@@ -11355,6 +12180,121 @@
                       </a:pPr>
                       <a:r>
                         <a:rPr/>
+                        <a:t>Michael</a:t>
+                      </a:r>
+                      <a:r>
+                        <a:rPr/>
+                        <a:t> </a:t>
+                      </a:r>
+                      <a:r>
+                        <a:rPr/>
+                        <a:t>Drew</a:t>
+                      </a:r>
+                    </a:p>
+                  </a:txBody>
+                </a:tc>
+                <a:tc>
+                  <a:txBody>
+                    <a:bodyPr/>
+                    <a:lstStyle/>
+                    <a:p>
+                      <a:pPr lvl="0" marL="0" indent="0" algn="r">
+                        <a:buNone/>
+                      </a:pPr>
+                      <a:r>
+                        <a:rPr/>
+                        <a:t>10.4</a:t>
+                      </a:r>
+                    </a:p>
+                  </a:txBody>
+                </a:tc>
+                <a:tc>
+                  <a:txBody>
+                    <a:bodyPr/>
+                    <a:lstStyle/>
+                    <a:p>
+                      <a:pPr lvl="0" marL="0" indent="0" algn="r">
+                        <a:buNone/>
+                      </a:pPr>
+                      <a:r>
+                        <a:rPr/>
+                        <a:t>62</a:t>
+                      </a:r>
+                    </a:p>
+                  </a:txBody>
+                </a:tc>
+                <a:tc>
+                  <a:txBody>
+                    <a:bodyPr/>
+                    <a:lstStyle/>
+                    <a:p>
+                      <a:pPr lvl="0" marL="0" indent="0" algn="r">
+                        <a:buNone/>
+                      </a:pPr>
+                      <a:r>
+                        <a:rPr/>
+                        <a:t>5</a:t>
+                      </a:r>
+                    </a:p>
+                  </a:txBody>
+                </a:tc>
+                <a:tc>
+                  <a:txBody>
+                    <a:bodyPr/>
+                    <a:lstStyle/>
+                    <a:p>
+                      <a:pPr lvl="0" marL="0" indent="0" algn="r">
+                        <a:buNone/>
+                      </a:pPr>
+                      <a:r>
+                        <a:rPr/>
+                        <a:t>6.0</a:t>
+                      </a:r>
+                    </a:p>
+                  </a:txBody>
+                </a:tc>
+                <a:tc>
+                  <a:txBody>
+                    <a:bodyPr/>
+                    <a:lstStyle/>
+                    <a:p>
+                      <a:pPr lvl="0" marL="0" indent="0" algn="r">
+                        <a:buNone/>
+                      </a:pPr>
+                      <a:r>
+                        <a:rPr/>
+                        <a:t>12.4</a:t>
+                      </a:r>
+                    </a:p>
+                  </a:txBody>
+                </a:tc>
+                <a:tc>
+                  <a:txBody>
+                    <a:bodyPr/>
+                    <a:lstStyle/>
+                    <a:p>
+                      <a:pPr lvl="0" marL="0" indent="0" algn="r">
+                        <a:buNone/>
+                      </a:pPr>
+                      <a:r>
+                        <a:rPr/>
+                        <a:t>10.4</a:t>
+                      </a:r>
+                    </a:p>
+                  </a:txBody>
+                </a:tc>
+              </a:tr>
+              <a:tr h="0">
+                <a:tc>
+                  <a:txBody>
+                    <a:bodyPr/>
+                    <a:lstStyle/>
+                    <a:p>
+                      <a:pPr lvl="0" marL="0" indent="0" algn="l">
+                        <a:buNone/>
+                      </a:pPr>
+                      <a:r>
+                        <a:rPr/>
                         <a:t>Devin</a:t>
                       </a:r>
                       <a:r>
@@ -11378,6 +12318,121 @@
                       </a:pPr>
                       <a:r>
                         <a:rPr/>
+                        <a:t>16.0</a:t>
+                      </a:r>
+                    </a:p>
+                  </a:txBody>
+                </a:tc>
+                <a:tc>
+                  <a:txBody>
+                    <a:bodyPr/>
+                    <a:lstStyle/>
+                    <a:p>
+                      <a:pPr lvl="0" marL="0" indent="0" algn="r">
+                        <a:buNone/>
+                      </a:pPr>
+                      <a:r>
+                        <a:rPr/>
+                        <a:t>155</a:t>
+                      </a:r>
+                    </a:p>
+                  </a:txBody>
+                </a:tc>
+                <a:tc>
+                  <a:txBody>
+                    <a:bodyPr/>
+                    <a:lstStyle/>
+                    <a:p>
+                      <a:pPr lvl="0" marL="0" indent="0" algn="r">
+                        <a:buNone/>
+                      </a:pPr>
+                      <a:r>
+                        <a:rPr/>
+                        <a:t>5</a:t>
+                      </a:r>
+                    </a:p>
+                  </a:txBody>
+                </a:tc>
+                <a:tc>
+                  <a:txBody>
+                    <a:bodyPr/>
+                    <a:lstStyle/>
+                    <a:p>
+                      <a:pPr lvl="0" marL="0" indent="0" algn="r">
+                        <a:buNone/>
+                      </a:pPr>
+                      <a:r>
+                        <a:rPr/>
+                        <a:t>9.7</a:t>
+                      </a:r>
+                    </a:p>
+                  </a:txBody>
+                </a:tc>
+                <a:tc>
+                  <a:txBody>
+                    <a:bodyPr/>
+                    <a:lstStyle/>
+                    <a:p>
+                      <a:pPr lvl="0" marL="0" indent="0" algn="r">
+                        <a:buNone/>
+                      </a:pPr>
+                      <a:r>
+                        <a:rPr/>
+                        <a:t>31.0</a:t>
+                      </a:r>
+                    </a:p>
+                  </a:txBody>
+                </a:tc>
+                <a:tc>
+                  <a:txBody>
+                    <a:bodyPr/>
+                    <a:lstStyle/>
+                    <a:p>
+                      <a:pPr lvl="0" marL="0" indent="0" algn="r">
+                        <a:buNone/>
+                      </a:pPr>
+                      <a:r>
+                        <a:rPr/>
+                        <a:t>16.0</a:t>
+                      </a:r>
+                    </a:p>
+                  </a:txBody>
+                </a:tc>
+              </a:tr>
+              <a:tr h="0">
+                <a:tc>
+                  <a:txBody>
+                    <a:bodyPr/>
+                    <a:lstStyle/>
+                    <a:p>
+                      <a:pPr lvl="0" marL="0" indent="0" algn="l">
+                        <a:buNone/>
+                      </a:pPr>
+                      <a:r>
+                        <a:rPr/>
+                        <a:t>Pat</a:t>
+                      </a:r>
+                      <a:r>
+                        <a:rPr/>
+                        <a:t> </a:t>
+                      </a:r>
+                      <a:r>
+                        <a:rPr/>
+                        <a:t>Danaher</a:t>
+                      </a:r>
+                    </a:p>
+                  </a:txBody>
+                </a:tc>
+                <a:tc>
+                  <a:txBody>
+                    <a:bodyPr/>
+                    <a:lstStyle/>
+                    <a:p>
+                      <a:pPr lvl="0" marL="0" indent="0" algn="r">
+                        <a:buNone/>
+                      </a:pPr>
+                      <a:r>
+                        <a:rPr/>
                         <a:t>14.0</a:t>
                       </a:r>
                     </a:p>
@@ -11393,7 +12448,7 @@
                       </a:pPr>
                       <a:r>
                         <a:rPr/>
-                        <a:t>133</a:t>
+                        <a:t>142</a:t>
                       </a:r>
                     </a:p>
                   </a:txBody>
@@ -11408,7 +12463,7 @@
                       </a:pPr>
                       <a:r>
                         <a:rPr/>
-                        <a:t>4</a:t>
+                        <a:t>5</a:t>
                       </a:r>
                     </a:p>
                   </a:txBody>
@@ -11423,7 +12478,7 @@
                       </a:pPr>
                       <a:r>
                         <a:rPr/>
-                        <a:t>9.5</a:t>
+                        <a:t>10.1</a:t>
                       </a:r>
                     </a:p>
                   </a:txBody>
@@ -11438,7 +12493,7 @@
                       </a:pPr>
                       <a:r>
                         <a:rPr/>
-                        <a:t>33.2</a:t>
+                        <a:t>28.4</a:t>
                       </a:r>
                     </a:p>
                   </a:txBody>
@@ -11453,7 +12508,7 @@
                       </a:pPr>
                       <a:r>
                         <a:rPr/>
-                        <a:t>17.5</a:t>
+                        <a:t>14.0</a:t>
                       </a:r>
                     </a:p>
                   </a:txBody>
@@ -11470,7 +12525,7 @@
                       </a:pPr>
                       <a:r>
                         <a:rPr/>
-                        <a:t>Pat</a:t>
+                        <a:t>Surya</a:t>
                       </a:r>
                       <a:r>
                         <a:rPr/>
@@ -11478,7 +12533,7 @@
                       </a:r>
                       <a:r>
                         <a:rPr/>
-                        <a:t>Danaher</a:t>
+                        <a:t>Yarlagadda</a:t>
                       </a:r>
                     </a:p>
                   </a:txBody>
@@ -11493,7 +12548,7 @@
                       </a:pPr>
                       <a:r>
                         <a:rPr/>
-                        <a:t>11.0</a:t>
+                        <a:t>5.0</a:t>
                       </a:r>
                     </a:p>
                   </a:txBody>
@@ -11508,7 +12563,7 @@
                       </a:pPr>
                       <a:r>
                         <a:rPr/>
-                        <a:t>119</a:t>
+                        <a:t>43</a:t>
                       </a:r>
                     </a:p>
                   </a:txBody>
@@ -11523,7 +12578,7 @@
                       </a:pPr>
                       <a:r>
                         <a:rPr/>
-                        <a:t>4</a:t>
+                        <a:t>3</a:t>
                       </a:r>
                     </a:p>
                   </a:txBody>
@@ -11538,7 +12593,7 @@
                       </a:pPr>
                       <a:r>
                         <a:rPr/>
-                        <a:t>10.8</a:t>
+                        <a:t>8.6</a:t>
                       </a:r>
                     </a:p>
                   </a:txBody>
@@ -11553,7 +12608,7 @@
                       </a:pPr>
                       <a:r>
                         <a:rPr/>
-                        <a:t>29.8</a:t>
+                        <a:t>14.3</a:t>
                       </a:r>
                     </a:p>
                   </a:txBody>
@@ -11568,7 +12623,7 @@
                       </a:pPr>
                       <a:r>
                         <a:rPr/>
-                        <a:t>13.8</a:t>
+                        <a:t>8.3</a:t>
                       </a:r>
                     </a:p>
                   </a:txBody>
@@ -11585,7 +12640,7 @@
                       </a:pPr>
                       <a:r>
                         <a:rPr/>
-                        <a:t>Surya</a:t>
+                        <a:t>Morgan</a:t>
                       </a:r>
                       <a:r>
                         <a:rPr/>
@@ -11593,7 +12648,7 @@
                       </a:r>
                       <a:r>
                         <a:rPr/>
-                        <a:t>Yarlagadda</a:t>
+                        <a:t>Tear</a:t>
                       </a:r>
                     </a:p>
                   </a:txBody>
@@ -11608,7 +12663,7 @@
                       </a:pPr>
                       <a:r>
                         <a:rPr/>
-                        <a:t>5.0</a:t>
+                        <a:t>9.0</a:t>
                       </a:r>
                     </a:p>
                   </a:txBody>
@@ -11623,7 +12678,7 @@
                       </a:pPr>
                       <a:r>
                         <a:rPr/>
-                        <a:t>43</a:t>
+                        <a:t>84</a:t>
                       </a:r>
                     </a:p>
                   </a:txBody>
@@ -11653,7 +12708,7 @@
                       </a:pPr>
                       <a:r>
                         <a:rPr/>
-                        <a:t>8.6</a:t>
+                        <a:t>9.3</a:t>
                       </a:r>
                     </a:p>
                   </a:txBody>
@@ -11668,7 +12723,7 @@
                       </a:pPr>
                       <a:r>
                         <a:rPr/>
-                        <a:t>14.3</a:t>
+                        <a:t>28.0</a:t>
                       </a:r>
                     </a:p>
                   </a:txBody>
@@ -11683,7 +12738,7 @@
                       </a:pPr>
                       <a:r>
                         <a:rPr/>
-                        <a:t>8.3</a:t>
+                        <a:t>15.0</a:t>
                       </a:r>
                     </a:p>
                   </a:txBody>
@@ -11700,7 +12755,7 @@
                       </a:pPr>
                       <a:r>
                         <a:rPr/>
-                        <a:t>Michael</a:t>
+                        <a:t>Adam</a:t>
                       </a:r>
                       <a:r>
                         <a:rPr/>
@@ -11708,7 +12763,7 @@
                       </a:r>
                       <a:r>
                         <a:rPr/>
-                        <a:t>Drew</a:t>
+                        <a:t>Peel</a:t>
                       </a:r>
                     </a:p>
                   </a:txBody>
@@ -11723,7 +12778,7 @@
                       </a:pPr>
                       <a:r>
                         <a:rPr/>
-                        <a:t>7.1</a:t>
+                        <a:t>34.0</a:t>
                       </a:r>
                     </a:p>
                   </a:txBody>
@@ -11738,7 +12793,7 @@
                       </a:pPr>
                       <a:r>
                         <a:rPr/>
-                        <a:t>52</a:t>
+                        <a:t>210</a:t>
                       </a:r>
                     </a:p>
                   </a:txBody>
@@ -11768,7 +12823,7 @@
                       </a:pPr>
                       <a:r>
                         <a:rPr/>
-                        <a:t>7.3</a:t>
+                        <a:t>6.2</a:t>
                       </a:r>
                     </a:p>
                   </a:txBody>
@@ -11783,7 +12838,7 @@
                       </a:pPr>
                       <a:r>
                         <a:rPr/>
-                        <a:t>26.0</a:t>
+                        <a:t>105.0</a:t>
                       </a:r>
                     </a:p>
                   </a:txBody>
@@ -11798,237 +12853,7 @@
                       </a:pPr>
                       <a:r>
                         <a:rPr/>
-                        <a:t>18.0</a:t>
-                      </a:r>
-                    </a:p>
-                  </a:txBody>
-                </a:tc>
-              </a:tr>
-              <a:tr h="0">
-                <a:tc>
-                  <a:txBody>
-                    <a:bodyPr/>
-                    <a:lstStyle/>
-                    <a:p>
-                      <a:pPr lvl="0" marL="0" indent="0" algn="l">
-                        <a:buNone/>
-                      </a:pPr>
-                      <a:r>
-                        <a:rPr/>
-                        <a:t>Morgan</a:t>
-                      </a:r>
-                      <a:r>
-                        <a:rPr/>
-                        <a:t> </a:t>
-                      </a:r>
-                      <a:r>
-                        <a:rPr/>
-                        <a:t>Tear</a:t>
-                      </a:r>
-                    </a:p>
-                  </a:txBody>
-                </a:tc>
-                <a:tc>
-                  <a:txBody>
-                    <a:bodyPr/>
-                    <a:lstStyle/>
-                    <a:p>
-                      <a:pPr lvl="0" marL="0" indent="0" algn="r">
-                        <a:buNone/>
-                      </a:pPr>
-                      <a:r>
-                        <a:rPr/>
-                        <a:t>7.0</a:t>
-                      </a:r>
-                    </a:p>
-                  </a:txBody>
-                </a:tc>
-                <a:tc>
-                  <a:txBody>
-                    <a:bodyPr/>
-                    <a:lstStyle/>
-                    <a:p>
-                      <a:pPr lvl="0" marL="0" indent="0" algn="r">
-                        <a:buNone/>
-                      </a:pPr>
-                      <a:r>
-                        <a:rPr/>
-                        <a:t>61</a:t>
-                      </a:r>
-                    </a:p>
-                  </a:txBody>
-                </a:tc>
-                <a:tc>
-                  <a:txBody>
-                    <a:bodyPr/>
-                    <a:lstStyle/>
-                    <a:p>
-                      <a:pPr lvl="0" marL="0" indent="0" algn="r">
-                        <a:buNone/>
-                      </a:pPr>
-                      <a:r>
-                        <a:rPr/>
-                        <a:t>2</a:t>
-                      </a:r>
-                    </a:p>
-                  </a:txBody>
-                </a:tc>
-                <a:tc>
-                  <a:txBody>
-                    <a:bodyPr/>
-                    <a:lstStyle/>
-                    <a:p>
-                      <a:pPr lvl="0" marL="0" indent="0" algn="r">
-                        <a:buNone/>
-                      </a:pPr>
-                      <a:r>
-                        <a:rPr/>
-                        <a:t>8.7</a:t>
-                      </a:r>
-                    </a:p>
-                  </a:txBody>
-                </a:tc>
-                <a:tc>
-                  <a:txBody>
-                    <a:bodyPr/>
-                    <a:lstStyle/>
-                    <a:p>
-                      <a:pPr lvl="0" marL="0" indent="0" algn="r">
-                        <a:buNone/>
-                      </a:pPr>
-                      <a:r>
-                        <a:rPr/>
-                        <a:t>30.5</a:t>
-                      </a:r>
-                    </a:p>
-                  </a:txBody>
-                </a:tc>
-                <a:tc>
-                  <a:txBody>
-                    <a:bodyPr/>
-                    <a:lstStyle/>
-                    <a:p>
-                      <a:pPr lvl="0" marL="0" indent="0" algn="r">
-                        <a:buNone/>
-                      </a:pPr>
-                      <a:r>
-                        <a:rPr/>
-                        <a:t>17.5</a:t>
-                      </a:r>
-                    </a:p>
-                  </a:txBody>
-                </a:tc>
-              </a:tr>
-              <a:tr h="0">
-                <a:tc>
-                  <a:txBody>
-                    <a:bodyPr/>
-                    <a:lstStyle/>
-                    <a:p>
-                      <a:pPr lvl="0" marL="0" indent="0" algn="l">
-                        <a:buNone/>
-                      </a:pPr>
-                      <a:r>
-                        <a:rPr/>
-                        <a:t>Rohan</a:t>
-                      </a:r>
-                      <a:r>
-                        <a:rPr/>
-                        <a:t> </a:t>
-                      </a:r>
-                      <a:r>
-                        <a:rPr/>
-                        <a:t>Bythell-Douglas</a:t>
-                      </a:r>
-                    </a:p>
-                  </a:txBody>
-                </a:tc>
-                <a:tc>
-                  <a:txBody>
-                    <a:bodyPr/>
-                    <a:lstStyle/>
-                    <a:p>
-                      <a:pPr lvl="0" marL="0" indent="0" algn="r">
-                        <a:buNone/>
-                      </a:pPr>
-                      <a:r>
-                        <a:rPr/>
-                        <a:t>16.0</a:t>
-                      </a:r>
-                    </a:p>
-                  </a:txBody>
-                </a:tc>
-                <a:tc>
-                  <a:txBody>
-                    <a:bodyPr/>
-                    <a:lstStyle/>
-                    <a:p>
-                      <a:pPr lvl="0" marL="0" indent="0" algn="r">
-                        <a:buNone/>
-                      </a:pPr>
-                      <a:r>
-                        <a:rPr/>
-                        <a:t>191</a:t>
-                      </a:r>
-                    </a:p>
-                  </a:txBody>
-                </a:tc>
-                <a:tc>
-                  <a:txBody>
-                    <a:bodyPr/>
-                    <a:lstStyle/>
-                    <a:p>
-                      <a:pPr lvl="0" marL="0" indent="0" algn="r">
-                        <a:buNone/>
-                      </a:pPr>
-                      <a:r>
-                        <a:rPr/>
-                        <a:t>2</a:t>
-                      </a:r>
-                    </a:p>
-                  </a:txBody>
-                </a:tc>
-                <a:tc>
-                  <a:txBody>
-                    <a:bodyPr/>
-                    <a:lstStyle/>
-                    <a:p>
-                      <a:pPr lvl="0" marL="0" indent="0" algn="r">
-                        <a:buNone/>
-                      </a:pPr>
-                      <a:r>
-                        <a:rPr/>
-                        <a:t>11.9</a:t>
-                      </a:r>
-                    </a:p>
-                  </a:txBody>
-                </a:tc>
-                <a:tc>
-                  <a:txBody>
-                    <a:bodyPr/>
-                    <a:lstStyle/>
-                    <a:p>
-                      <a:pPr lvl="0" marL="0" indent="0" algn="r">
-                        <a:buNone/>
-                      </a:pPr>
-                      <a:r>
-                        <a:rPr/>
-                        <a:t>95.5</a:t>
-                      </a:r>
-                    </a:p>
-                  </a:txBody>
-                </a:tc>
-                <a:tc>
-                  <a:txBody>
-                    <a:bodyPr/>
-                    <a:lstStyle/>
-                    <a:p>
-                      <a:pPr lvl="0" marL="0" indent="0" algn="r">
-                        <a:buNone/>
-                      </a:pPr>
-                      <a:r>
-                        <a:rPr/>
-                        <a:t>40.0</a:t>
+                        <a:t>85.0</a:t>
                       </a:r>
                     </a:p>
                   </a:txBody>
@@ -12194,6 +13019,61 @@
                       </a:pPr>
                       <a:r>
                         <a:rPr/>
+                        <a:t>4</a:t>
+                      </a:r>
+                    </a:p>
+                  </a:txBody>
+                </a:tc>
+                <a:tc>
+                  <a:txBody>
+                    <a:bodyPr/>
+                    <a:lstStyle/>
+                    <a:p>
+                      <a:pPr lvl="0" marL="0" indent="0" algn="r">
+                        <a:buNone/>
+                      </a:pPr>
+                      <a:r>
+                        <a:rPr/>
+                        <a:t>0</a:t>
+                      </a:r>
+                    </a:p>
+                  </a:txBody>
+                </a:tc>
+              </a:tr>
+              <a:tr h="0">
+                <a:tc>
+                  <a:txBody>
+                    <a:bodyPr/>
+                    <a:lstStyle/>
+                    <a:p>
+                      <a:pPr lvl="0" marL="0" indent="0" algn="l">
+                        <a:buNone/>
+                      </a:pPr>
+                      <a:r>
+                        <a:rPr/>
+                        <a:t>Adam</a:t>
+                      </a:r>
+                      <a:r>
+                        <a:rPr/>
+                        <a:t> </a:t>
+                      </a:r>
+                      <a:r>
+                        <a:rPr/>
+                        <a:t>Peel</a:t>
+                      </a:r>
+                    </a:p>
+                  </a:txBody>
+                </a:tc>
+                <a:tc>
+                  <a:txBody>
+                    <a:bodyPr/>
+                    <a:lstStyle/>
+                    <a:p>
+                      <a:pPr lvl="0" marL="0" indent="0" algn="r">
+                        <a:buNone/>
+                      </a:pPr>
+                      <a:r>
+                        <a:rPr/>
                         <a:t>3</a:t>
                       </a:r>
                     </a:p>
@@ -12209,6 +13089,61 @@
                       </a:pPr>
                       <a:r>
                         <a:rPr/>
+                        <a:t>1</a:t>
+                      </a:r>
+                    </a:p>
+                  </a:txBody>
+                </a:tc>
+              </a:tr>
+              <a:tr h="0">
+                <a:tc>
+                  <a:txBody>
+                    <a:bodyPr/>
+                    <a:lstStyle/>
+                    <a:p>
+                      <a:pPr lvl="0" marL="0" indent="0" algn="l">
+                        <a:buNone/>
+                      </a:pPr>
+                      <a:r>
+                        <a:rPr/>
+                        <a:t>Devin</a:t>
+                      </a:r>
+                      <a:r>
+                        <a:rPr/>
+                        <a:t> </a:t>
+                      </a:r>
+                      <a:r>
+                        <a:rPr/>
+                        <a:t>Goheen</a:t>
+                      </a:r>
+                    </a:p>
+                  </a:txBody>
+                </a:tc>
+                <a:tc>
+                  <a:txBody>
+                    <a:bodyPr/>
+                    <a:lstStyle/>
+                    <a:p>
+                      <a:pPr lvl="0" marL="0" indent="0" algn="r">
+                        <a:buNone/>
+                      </a:pPr>
+                      <a:r>
+                        <a:rPr/>
+                        <a:t>3</a:t>
+                      </a:r>
+                    </a:p>
+                  </a:txBody>
+                </a:tc>
+                <a:tc>
+                  <a:txBody>
+                    <a:bodyPr/>
+                    <a:lstStyle/>
+                    <a:p>
+                      <a:pPr lvl="0" marL="0" indent="0" algn="r">
+                        <a:buNone/>
+                      </a:pPr>
+                      <a:r>
+                        <a:rPr/>
                         <a:t>0</a:t>
                       </a:r>
                     </a:p>
@@ -12328,116 +13263,6 @@
                       <a:r>
                         <a:rPr/>
                         <a:t>0</a:t>
-                      </a:r>
-                    </a:p>
-                  </a:txBody>
-                </a:tc>
-              </a:tr>
-              <a:tr h="0">
-                <a:tc>
-                  <a:txBody>
-                    <a:bodyPr/>
-                    <a:lstStyle/>
-                    <a:p>
-                      <a:pPr lvl="0" marL="0" indent="0" algn="l">
-                        <a:buNone/>
-                      </a:pPr>
-                      <a:r>
-                        <a:rPr/>
-                        <a:t>Rohan</a:t>
-                      </a:r>
-                      <a:r>
-                        <a:rPr/>
-                        <a:t> </a:t>
-                      </a:r>
-                      <a:r>
-                        <a:rPr/>
-                        <a:t>Bythell-Douglas</a:t>
-                      </a:r>
-                    </a:p>
-                  </a:txBody>
-                </a:tc>
-                <a:tc>
-                  <a:txBody>
-                    <a:bodyPr/>
-                    <a:lstStyle/>
-                    <a:p>
-                      <a:pPr lvl="0" marL="0" indent="0" algn="r">
-                        <a:buNone/>
-                      </a:pPr>
-                      <a:r>
-                        <a:rPr/>
-                        <a:t>2</a:t>
-                      </a:r>
-                    </a:p>
-                  </a:txBody>
-                </a:tc>
-                <a:tc>
-                  <a:txBody>
-                    <a:bodyPr/>
-                    <a:lstStyle/>
-                    <a:p>
-                      <a:pPr lvl="0" marL="0" indent="0" algn="r">
-                        <a:buNone/>
-                      </a:pPr>
-                      <a:r>
-                        <a:rPr/>
-                        <a:t>0</a:t>
-                      </a:r>
-                    </a:p>
-                  </a:txBody>
-                </a:tc>
-              </a:tr>
-              <a:tr h="0">
-                <a:tc>
-                  <a:txBody>
-                    <a:bodyPr/>
-                    <a:lstStyle/>
-                    <a:p>
-                      <a:pPr lvl="0" marL="0" indent="0" algn="l">
-                        <a:buNone/>
-                      </a:pPr>
-                      <a:r>
-                        <a:rPr/>
-                        <a:t>Adam</a:t>
-                      </a:r>
-                      <a:r>
-                        <a:rPr/>
-                        <a:t> </a:t>
-                      </a:r>
-                      <a:r>
-                        <a:rPr/>
-                        <a:t>Peel</a:t>
-                      </a:r>
-                    </a:p>
-                  </a:txBody>
-                </a:tc>
-                <a:tc>
-                  <a:txBody>
-                    <a:bodyPr/>
-                    <a:lstStyle/>
-                    <a:p>
-                      <a:pPr lvl="0" marL="0" indent="0" algn="r">
-                        <a:buNone/>
-                      </a:pPr>
-                      <a:r>
-                        <a:rPr/>
-                        <a:t>2</a:t>
-                      </a:r>
-                    </a:p>
-                  </a:txBody>
-                </a:tc>
-                <a:tc>
-                  <a:txBody>
-                    <a:bodyPr/>
-                    <a:lstStyle/>
-                    <a:p>
-                      <a:pPr lvl="0" marL="0" indent="0" algn="r">
-                        <a:buNone/>
-                      </a:pPr>
-                      <a:r>
-                        <a:rPr/>
-                        <a:t>1</a:t>
                       </a:r>
                     </a:p>
                   </a:txBody>
